--- a/Documentos/Criptografía, Certificados y privacidad en internet.pptx
+++ b/Documentos/Criptografía, Certificados y privacidad en internet.pptx
@@ -5,7 +5,7 @@
     <p:sldMasterId id="2147483648" r:id="rId1"/>
   </p:sldMasterIdLst>
   <p:notesMasterIdLst>
-    <p:notesMasterId r:id="rId32"/>
+    <p:notesMasterId r:id="rId33"/>
   </p:notesMasterIdLst>
   <p:sldIdLst>
     <p:sldId id="256" r:id="rId2"/>
@@ -38,6 +38,7 @@
     <p:sldId id="312" r:id="rId29"/>
     <p:sldId id="313" r:id="rId30"/>
     <p:sldId id="314" r:id="rId31"/>
+    <p:sldId id="315" r:id="rId32"/>
   </p:sldIdLst>
   <p:sldSz cx="9144000" cy="6858000" type="screen4x3"/>
   <p:notesSz cx="6858000" cy="9144000"/>
@@ -222,7 +223,7 @@
             <a:fld id="{5AAA3BC1-C929-43F0-8E86-489494319F81}" type="datetimeFigureOut">
               <a:rPr lang="es-MX" smtClean="0"/>
               <a:pPr/>
-              <a:t>13/06/2018</a:t>
+              <a:t>18/06/2018</a:t>
             </a:fld>
             <a:endParaRPr lang="es-MX" dirty="0"/>
           </a:p>
@@ -1595,11 +1596,7 @@
             </a:pPr>
             <a:r>
               <a:rPr lang="es-ES_tradnl" b="1" dirty="0" smtClean="0"/>
-              <a:t>Acciones </a:t>
-            </a:r>
-            <a:r>
-              <a:rPr lang="es-ES_tradnl" b="1" dirty="0" smtClean="0"/>
-              <a:t>para</a:t>
+              <a:t>Acciones para</a:t>
             </a:r>
             <a:r>
               <a:rPr lang="es-ES_tradnl" b="1" baseline="0" dirty="0" smtClean="0"/>
@@ -2085,15 +2082,6 @@
               </a:rPr>
               <a:t> </a:t>
             </a:r>
-            <a:endParaRPr lang="en-US" sz="1200" kern="1200" dirty="0" smtClean="0">
-              <a:solidFill>
-                <a:schemeClr val="tx1"/>
-              </a:solidFill>
-              <a:effectLst/>
-              <a:latin typeface="+mn-lt"/>
-              <a:ea typeface="+mn-ea"/>
-              <a:cs typeface="+mn-cs"/>
-            </a:endParaRPr>
           </a:p>
           <a:p>
             <a:endParaRPr lang="es-MX" sz="1200" kern="1200" dirty="0" smtClean="0">
@@ -2234,9 +2222,6 @@
               </a:rPr>
               <a:t> </a:t>
             </a:r>
-            <a:endParaRPr lang="en-US" dirty="0" smtClean="0">
-              <a:effectLst/>
-            </a:endParaRPr>
           </a:p>
           <a:p>
             <a:pPr lvl="0"/>
@@ -2616,15 +2601,6 @@
               </a:rPr>
               <a:t> </a:t>
             </a:r>
-            <a:endParaRPr lang="en-US" sz="1200" b="1" u="none" strike="noStrike" kern="1200" dirty="0" smtClean="0">
-              <a:solidFill>
-                <a:schemeClr val="tx1"/>
-              </a:solidFill>
-              <a:effectLst/>
-              <a:latin typeface="+mn-lt"/>
-              <a:ea typeface="+mn-ea"/>
-              <a:cs typeface="+mn-cs"/>
-            </a:endParaRPr>
           </a:p>
           <a:p>
             <a:endParaRPr lang="es-MX" sz="1200" kern="1200" dirty="0" smtClean="0">
@@ -2756,19 +2732,7 @@
                 <a:ea typeface="+mn-ea"/>
                 <a:cs typeface="+mn-cs"/>
               </a:rPr>
-              <a:t> -out </a:t>
-            </a:r>
-            <a:r>
-              <a:rPr lang="en-US" sz="1200" kern="1200" dirty="0" smtClean="0">
-                <a:solidFill>
-                  <a:schemeClr val="tx1"/>
-                </a:solidFill>
-                <a:effectLst/>
-                <a:latin typeface="+mn-lt"/>
-                <a:ea typeface="+mn-ea"/>
-                <a:cs typeface="+mn-cs"/>
-              </a:rPr>
-              <a:t>intermediate/</a:t>
+              <a:t> -out intermediate/</a:t>
             </a:r>
             <a:r>
               <a:rPr lang="en-US" sz="1200" kern="1200" dirty="0" err="1" smtClean="0">
@@ -3006,9 +2970,6 @@
               </a:rPr>
               <a:t> </a:t>
             </a:r>
-            <a:endParaRPr lang="es-MX" dirty="0" smtClean="0">
-              <a:effectLst/>
-            </a:endParaRPr>
           </a:p>
           <a:p>
             <a:pPr lvl="0"/>
@@ -3157,15 +3118,6 @@
               </a:rPr>
               <a:t> </a:t>
             </a:r>
-            <a:endParaRPr lang="en-US" sz="1200" b="1" u="none" strike="noStrike" kern="1200" dirty="0" smtClean="0">
-              <a:solidFill>
-                <a:schemeClr val="tx1"/>
-              </a:solidFill>
-              <a:effectLst/>
-              <a:latin typeface="+mn-lt"/>
-              <a:ea typeface="+mn-ea"/>
-              <a:cs typeface="+mn-cs"/>
-            </a:endParaRPr>
           </a:p>
           <a:p>
             <a:endParaRPr lang="es-MX" sz="1200" kern="1200" dirty="0" smtClean="0">
@@ -5749,6 +5701,96 @@
               <a:rPr lang="es-MX" smtClean="0"/>
               <a:pPr/>
               <a:t>30</a:t>
+            </a:fld>
+            <a:endParaRPr lang="es-MX" dirty="0"/>
+          </a:p>
+        </p:txBody>
+      </p:sp>
+    </p:spTree>
+  </p:cSld>
+  <p:clrMapOvr>
+    <a:masterClrMapping/>
+  </p:clrMapOvr>
+</p:notes>
+</file>
+
+<file path=ppt/notesSlides/notesSlide31.xml><?xml version="1.0" encoding="utf-8"?>
+<p:notes xmlns:a="http://schemas.openxmlformats.org/drawingml/2006/main" xmlns:r="http://schemas.openxmlformats.org/officeDocument/2006/relationships" xmlns:p="http://schemas.openxmlformats.org/presentationml/2006/main">
+  <p:cSld>
+    <p:spTree>
+      <p:nvGrpSpPr>
+        <p:cNvPr id="1" name=""/>
+        <p:cNvGrpSpPr/>
+        <p:nvPr/>
+      </p:nvGrpSpPr>
+      <p:grpSpPr>
+        <a:xfrm>
+          <a:off x="0" y="0"/>
+          <a:ext cx="0" cy="0"/>
+          <a:chOff x="0" y="0"/>
+          <a:chExt cx="0" cy="0"/>
+        </a:xfrm>
+      </p:grpSpPr>
+      <p:sp>
+        <p:nvSpPr>
+          <p:cNvPr id="2" name="1 Marcador de imagen de diapositiva"/>
+          <p:cNvSpPr>
+            <a:spLocks noGrp="1" noRot="1" noChangeAspect="1"/>
+          </p:cNvSpPr>
+          <p:nvPr>
+            <p:ph type="sldImg"/>
+          </p:nvPr>
+        </p:nvSpPr>
+        <p:spPr/>
+      </p:sp>
+      <p:sp>
+        <p:nvSpPr>
+          <p:cNvPr id="3" name="2 Marcador de notas"/>
+          <p:cNvSpPr>
+            <a:spLocks noGrp="1"/>
+          </p:cNvSpPr>
+          <p:nvPr>
+            <p:ph type="body" idx="1"/>
+          </p:nvPr>
+        </p:nvSpPr>
+        <p:spPr/>
+        <p:txBody>
+          <a:bodyPr>
+            <a:normAutofit/>
+          </a:bodyPr>
+          <a:lstStyle/>
+          <a:p>
+            <a:pPr lvl="0"/>
+            <a:endParaRPr lang="es-ES_tradnl" sz="1200" kern="1200" dirty="0" smtClean="0">
+              <a:solidFill>
+                <a:schemeClr val="tx1"/>
+              </a:solidFill>
+              <a:latin typeface="+mn-lt"/>
+              <a:ea typeface="+mn-ea"/>
+              <a:cs typeface="+mn-cs"/>
+            </a:endParaRPr>
+          </a:p>
+        </p:txBody>
+      </p:sp>
+      <p:sp>
+        <p:nvSpPr>
+          <p:cNvPr id="4" name="3 Marcador de número de diapositiva"/>
+          <p:cNvSpPr>
+            <a:spLocks noGrp="1"/>
+          </p:cNvSpPr>
+          <p:nvPr>
+            <p:ph type="sldNum" sz="quarter" idx="10"/>
+          </p:nvPr>
+        </p:nvSpPr>
+        <p:spPr/>
+        <p:txBody>
+          <a:bodyPr/>
+          <a:lstStyle/>
+          <a:p>
+            <a:fld id="{30F91B3A-7EA8-4582-952E-8574C7514002}" type="slidenum">
+              <a:rPr lang="es-MX" smtClean="0"/>
+              <a:pPr/>
+              <a:t>31</a:t>
             </a:fld>
             <a:endParaRPr lang="es-MX" dirty="0"/>
           </a:p>
@@ -17503,6 +17545,347 @@
               <a:rPr lang="es-MX" dirty="0" smtClean="0"/>
               <a:t>Desencripción y validación</a:t>
             </a:r>
+            <a:endParaRPr lang="es-MX" dirty="0"/>
+          </a:p>
+        </p:txBody>
+      </p:sp>
+    </p:spTree>
+    <p:extLst>
+      <p:ext uri="{BB962C8B-B14F-4D97-AF65-F5344CB8AC3E}">
+        <p14:creationId xmlns="" xmlns:p14="http://schemas.microsoft.com/office/powerpoint/2010/main" val="290502410"/>
+      </p:ext>
+    </p:extLst>
+  </p:cSld>
+  <p:clrMapOvr>
+    <a:masterClrMapping/>
+  </p:clrMapOvr>
+  <p:timing>
+    <p:tnLst>
+      <p:par>
+        <p:cTn id="1" dur="indefinite" restart="never" nodeType="tmRoot"/>
+      </p:par>
+    </p:tnLst>
+  </p:timing>
+</p:sld>
+</file>
+
+<file path=ppt/slides/slide31.xml><?xml version="1.0" encoding="utf-8"?>
+<p:sld xmlns:a="http://schemas.openxmlformats.org/drawingml/2006/main" xmlns:r="http://schemas.openxmlformats.org/officeDocument/2006/relationships" xmlns:p="http://schemas.openxmlformats.org/presentationml/2006/main">
+  <p:cSld>
+    <p:spTree>
+      <p:nvGrpSpPr>
+        <p:cNvPr id="1" name=""/>
+        <p:cNvGrpSpPr/>
+        <p:nvPr/>
+      </p:nvGrpSpPr>
+      <p:grpSpPr>
+        <a:xfrm>
+          <a:off x="0" y="0"/>
+          <a:ext cx="0" cy="0"/>
+          <a:chOff x="0" y="0"/>
+          <a:chExt cx="0" cy="0"/>
+        </a:xfrm>
+      </p:grpSpPr>
+      <p:sp>
+        <p:nvSpPr>
+          <p:cNvPr id="2" name="1 Título"/>
+          <p:cNvSpPr>
+            <a:spLocks noGrp="1"/>
+          </p:cNvSpPr>
+          <p:nvPr>
+            <p:ph type="title"/>
+          </p:nvPr>
+        </p:nvSpPr>
+        <p:spPr>
+          <a:xfrm>
+            <a:off x="179512" y="1412776"/>
+            <a:ext cx="8712968" cy="360040"/>
+          </a:xfrm>
+        </p:spPr>
+        <p:txBody>
+          <a:bodyPr>
+            <a:noAutofit/>
+          </a:bodyPr>
+          <a:lstStyle/>
+          <a:p>
+            <a:r>
+              <a:rPr lang="es-ES_tradnl" sz="2200" b="1" cap="all" dirty="0" smtClean="0"/>
+              <a:t>FIN</a:t>
+            </a:r>
+            <a:endParaRPr lang="es-MX" sz="2200" b="1" cap="all" dirty="0"/>
+          </a:p>
+        </p:txBody>
+      </p:sp>
+      <p:sp>
+        <p:nvSpPr>
+          <p:cNvPr id="4" name="3 Marcador de fecha"/>
+          <p:cNvSpPr>
+            <a:spLocks noGrp="1"/>
+          </p:cNvSpPr>
+          <p:nvPr>
+            <p:ph type="dt" sz="half" idx="10"/>
+          </p:nvPr>
+        </p:nvSpPr>
+        <p:spPr/>
+        <p:txBody>
+          <a:bodyPr/>
+          <a:lstStyle/>
+          <a:p>
+            <a:r>
+              <a:rPr lang="es-MX" dirty="0" smtClean="0"/>
+              <a:t>06/07/2016</a:t>
+            </a:r>
+            <a:endParaRPr lang="es-ES" dirty="0"/>
+          </a:p>
+        </p:txBody>
+      </p:sp>
+      <p:sp>
+        <p:nvSpPr>
+          <p:cNvPr id="5" name="4 Marcador de pie de página"/>
+          <p:cNvSpPr>
+            <a:spLocks noGrp="1"/>
+          </p:cNvSpPr>
+          <p:nvPr>
+            <p:ph type="ftr" sz="quarter" idx="11"/>
+          </p:nvPr>
+        </p:nvSpPr>
+        <p:spPr/>
+        <p:txBody>
+          <a:bodyPr/>
+          <a:lstStyle/>
+          <a:p>
+            <a:r>
+              <a:rPr lang="es-ES" dirty="0" smtClean="0"/>
+              <a:t>José Luis Bautista Martín</a:t>
+            </a:r>
+            <a:endParaRPr lang="es-ES" dirty="0"/>
+          </a:p>
+        </p:txBody>
+      </p:sp>
+      <p:sp>
+        <p:nvSpPr>
+          <p:cNvPr id="6" name="5 Marcador de número de diapositiva"/>
+          <p:cNvSpPr>
+            <a:spLocks noGrp="1"/>
+          </p:cNvSpPr>
+          <p:nvPr>
+            <p:ph type="sldNum" sz="quarter" idx="12"/>
+          </p:nvPr>
+        </p:nvSpPr>
+        <p:spPr/>
+        <p:txBody>
+          <a:bodyPr/>
+          <a:lstStyle/>
+          <a:p>
+            <a:fld id="{132FADFE-3B8F-471C-ABF0-DBC7717ECBBC}" type="slidenum">
+              <a:rPr lang="es-ES" smtClean="0"/>
+              <a:pPr/>
+              <a:t>31</a:t>
+            </a:fld>
+            <a:endParaRPr lang="es-ES" dirty="0"/>
+          </a:p>
+        </p:txBody>
+      </p:sp>
+      <p:sp>
+        <p:nvSpPr>
+          <p:cNvPr id="9" name="8 CuadroTexto"/>
+          <p:cNvSpPr txBox="1"/>
+          <p:nvPr/>
+        </p:nvSpPr>
+        <p:spPr>
+          <a:xfrm>
+            <a:off x="1475656" y="548680"/>
+            <a:ext cx="7272808" cy="369332"/>
+          </a:xfrm>
+          <a:prstGeom prst="rect">
+            <a:avLst/>
+          </a:prstGeom>
+          <a:noFill/>
+        </p:spPr>
+        <p:txBody>
+          <a:bodyPr wrap="square" rtlCol="0">
+            <a:spAutoFit/>
+          </a:bodyPr>
+          <a:lstStyle/>
+          <a:p>
+            <a:pPr algn="ctr"/>
+            <a:r>
+              <a:rPr lang="es-MX" dirty="0" smtClean="0"/>
+              <a:t>CRIPTOGRAFÍA, CERTIFICADOS Y PRIVACIDAD EN INTERNET</a:t>
+            </a:r>
+          </a:p>
+        </p:txBody>
+      </p:sp>
+      <p:sp>
+        <p:nvSpPr>
+          <p:cNvPr id="10" name="Rectangle 2"/>
+          <p:cNvSpPr>
+            <a:spLocks noChangeArrowheads="1"/>
+          </p:cNvSpPr>
+          <p:nvPr/>
+        </p:nvSpPr>
+        <p:spPr bwMode="auto">
+          <a:xfrm>
+            <a:off x="0" y="0"/>
+            <a:ext cx="9144000" cy="0"/>
+          </a:xfrm>
+          <a:prstGeom prst="rect">
+            <a:avLst/>
+          </a:prstGeom>
+          <a:noFill/>
+          <a:ln>
+            <a:noFill/>
+          </a:ln>
+          <a:effectLst/>
+          <a:extLst>
+            <a:ext uri="{909E8E84-426E-40DD-AFC4-6F175D3DCCD1}">
+              <a14:hiddenFill xmlns="" xmlns:a14="http://schemas.microsoft.com/office/drawing/2010/main">
+                <a:solidFill>
+                  <a:schemeClr val="accent1"/>
+                </a:solidFill>
+              </a14:hiddenFill>
+            </a:ext>
+            <a:ext uri="{91240B29-F687-4F45-9708-019B960494DF}">
+              <a14:hiddenLine xmlns="" xmlns:a14="http://schemas.microsoft.com/office/drawing/2010/main" w="9525">
+                <a:solidFill>
+                  <a:schemeClr val="tx1"/>
+                </a:solidFill>
+                <a:miter lim="800000"/>
+                <a:headEnd/>
+                <a:tailEnd/>
+              </a14:hiddenLine>
+            </a:ext>
+            <a:ext uri="{AF507438-7753-43E0-B8FC-AC1667EBCBE1}">
+              <a14:hiddenEffects xmlns="" xmlns:a14="http://schemas.microsoft.com/office/drawing/2010/main">
+                <a:effectLst>
+                  <a:outerShdw dist="35921" dir="2700000" algn="ctr" rotWithShape="0">
+                    <a:schemeClr val="bg2"/>
+                  </a:outerShdw>
+                </a:effectLst>
+              </a14:hiddenEffects>
+            </a:ext>
+          </a:extLst>
+        </p:spPr>
+        <p:txBody>
+          <a:bodyPr vert="horz" wrap="none" lIns="91440" tIns="45720" rIns="91440" bIns="45720" numCol="1" anchor="ctr" anchorCtr="0" compatLnSpc="1">
+            <a:prstTxWarp prst="textNoShape">
+              <a:avLst/>
+            </a:prstTxWarp>
+            <a:spAutoFit/>
+          </a:bodyPr>
+          <a:lstStyle/>
+          <a:p>
+            <a:endParaRPr lang="es-MX" dirty="0"/>
+          </a:p>
+        </p:txBody>
+      </p:sp>
+      <p:pic>
+        <p:nvPicPr>
+          <p:cNvPr id="14" name="Picture 6"/>
+          <p:cNvPicPr>
+            <a:picLocks noChangeAspect="1" noChangeArrowheads="1"/>
+          </p:cNvPicPr>
+          <p:nvPr/>
+        </p:nvPicPr>
+        <p:blipFill>
+          <a:blip r:embed="rId3" cstate="print">
+            <a:extLst>
+              <a:ext uri="{28A0092B-C50C-407E-A947-70E740481C1C}">
+                <a14:useLocalDpi xmlns="" xmlns:a14="http://schemas.microsoft.com/office/drawing/2010/main" val="0"/>
+              </a:ext>
+            </a:extLst>
+          </a:blip>
+          <a:srcRect/>
+          <a:stretch>
+            <a:fillRect/>
+          </a:stretch>
+        </p:blipFill>
+        <p:spPr bwMode="auto">
+          <a:xfrm>
+            <a:off x="378811" y="250189"/>
+            <a:ext cx="880821" cy="908635"/>
+          </a:xfrm>
+          <a:prstGeom prst="rect">
+            <a:avLst/>
+          </a:prstGeom>
+          <a:noFill/>
+          <a:extLst>
+            <a:ext uri="{909E8E84-426E-40DD-AFC4-6F175D3DCCD1}">
+              <a14:hiddenFill xmlns="" xmlns:a14="http://schemas.microsoft.com/office/drawing/2010/main">
+                <a:solidFill>
+                  <a:srgbClr val="FFFFFF"/>
+                </a:solidFill>
+              </a14:hiddenFill>
+            </a:ext>
+          </a:extLst>
+        </p:spPr>
+      </p:pic>
+      <p:sp>
+        <p:nvSpPr>
+          <p:cNvPr id="13" name="12 Rectángulo"/>
+          <p:cNvSpPr/>
+          <p:nvPr/>
+        </p:nvSpPr>
+        <p:spPr>
+          <a:xfrm>
+            <a:off x="378810" y="2636912"/>
+            <a:ext cx="8519269" cy="3108543"/>
+          </a:xfrm>
+          <a:prstGeom prst="rect">
+            <a:avLst/>
+          </a:prstGeom>
+        </p:spPr>
+        <p:txBody>
+          <a:bodyPr wrap="square">
+            <a:spAutoFit/>
+          </a:bodyPr>
+          <a:lstStyle/>
+          <a:p>
+            <a:pPr algn="ctr"/>
+            <a:r>
+              <a:rPr lang="es-MX" sz="3200" dirty="0" smtClean="0"/>
+              <a:t>¡¡¡Muchas Gracias!!!</a:t>
+            </a:r>
+          </a:p>
+          <a:p>
+            <a:pPr algn="ctr"/>
+            <a:endParaRPr lang="es-MX" sz="3200" dirty="0"/>
+          </a:p>
+          <a:p>
+            <a:pPr algn="ctr"/>
+            <a:r>
+              <a:rPr lang="es-MX" sz="3200" dirty="0">
+                <a:hlinkClick r:id="rId4"/>
+              </a:rPr>
+              <a:t>https://desdelashorasextras.blogspot.mx</a:t>
+            </a:r>
+            <a:r>
+              <a:rPr lang="es-MX" sz="3200" dirty="0" smtClean="0">
+                <a:hlinkClick r:id="rId4"/>
+              </a:rPr>
+              <a:t>/</a:t>
+            </a:r>
+            <a:endParaRPr lang="es-MX" sz="3200" dirty="0" smtClean="0"/>
+          </a:p>
+          <a:p>
+            <a:pPr algn="ctr"/>
+            <a:endParaRPr lang="es-ES_tradnl" sz="3200" dirty="0" smtClean="0"/>
+          </a:p>
+          <a:p>
+            <a:pPr algn="ctr"/>
+            <a:r>
+              <a:rPr lang="es-MX" dirty="0" smtClean="0">
+                <a:hlinkClick r:id="rId5"/>
+              </a:rPr>
+              <a:t>https://github.com/jbautistamartin/CapacitacionCriptografiaCertificadosPrivacidad</a:t>
+            </a:r>
+            <a:endParaRPr lang="es-MX" dirty="0" smtClean="0"/>
+          </a:p>
+          <a:p>
+            <a:pPr algn="ctr"/>
+            <a:endParaRPr lang="es-MX" sz="3200" dirty="0"/>
+          </a:p>
+          <a:p>
             <a:endParaRPr lang="es-MX" dirty="0"/>
           </a:p>
         </p:txBody>

--- a/Documentos/Criptografía, Certificados y privacidad en internet.pptx
+++ b/Documentos/Criptografía, Certificados y privacidad en internet.pptx
@@ -223,7 +223,7 @@
             <a:fld id="{5AAA3BC1-C929-43F0-8E86-489494319F81}" type="datetimeFigureOut">
               <a:rPr lang="es-MX" smtClean="0"/>
               <a:pPr/>
-              <a:t>18/06/2018</a:t>
+              <a:t>20/06/2018</a:t>
             </a:fld>
             <a:endParaRPr lang="es-MX" dirty="0"/>
           </a:p>
@@ -1151,6 +1151,136 @@
           </a:bodyPr>
           <a:lstStyle/>
           <a:p>
+            <a:r>
+              <a:rPr lang="es-ES_tradnl" sz="1200" kern="1200" dirty="0" smtClean="0">
+                <a:solidFill>
+                  <a:schemeClr val="tx1"/>
+                </a:solidFill>
+                <a:latin typeface="+mn-lt"/>
+                <a:ea typeface="+mn-ea"/>
+                <a:cs typeface="+mn-cs"/>
+              </a:rPr>
+              <a:t>Mucha gente comparte en Facebook su perfil de forma pública, sin siquiera enterarse, proporcionando información de sus horarios, hábitos e incluso hijos y familiares que no pueden defenderse por sí mismo, aceptamos “amigos” que son prácticamente desconocidos para nosotros, y con los que compartimos información sin tener una plena confianza real en ellos.</a:t>
+            </a:r>
+          </a:p>
+          <a:p>
+            <a:endParaRPr lang="es-MX" sz="1200" kern="1200" dirty="0" smtClean="0">
+              <a:solidFill>
+                <a:schemeClr val="tx1"/>
+              </a:solidFill>
+              <a:latin typeface="+mn-lt"/>
+              <a:ea typeface="+mn-ea"/>
+              <a:cs typeface="+mn-cs"/>
+            </a:endParaRPr>
+          </a:p>
+          <a:p>
+            <a:r>
+              <a:rPr lang="es-ES_tradnl" sz="1200" kern="1200" dirty="0" smtClean="0">
+                <a:solidFill>
+                  <a:schemeClr val="tx1"/>
+                </a:solidFill>
+                <a:latin typeface="+mn-lt"/>
+                <a:ea typeface="+mn-ea"/>
+                <a:cs typeface="+mn-cs"/>
+              </a:rPr>
+              <a:t>En cuanto a nuestras operaciones bancarias, es posible que seamos victimas de fraude, que nos conectemos a paginas en las que se hagan pasar por nuestro paginas y extraiga información de nuestras cuentas o de nuestra identidad (y hagan operaciones nuestro nombre), también es posible que nos estemos conectando a la pagina real pero nuestra información sea interceptada, recolectada y manipulada.</a:t>
+            </a:r>
+            <a:endParaRPr lang="es-MX" sz="1200" kern="1200" dirty="0" smtClean="0">
+              <a:solidFill>
+                <a:schemeClr val="tx1"/>
+              </a:solidFill>
+              <a:latin typeface="+mn-lt"/>
+              <a:ea typeface="+mn-ea"/>
+              <a:cs typeface="+mn-cs"/>
+            </a:endParaRPr>
+          </a:p>
+          <a:p>
+            <a:endParaRPr lang="es-ES_tradnl" sz="1200" kern="1200" dirty="0" smtClean="0">
+              <a:solidFill>
+                <a:schemeClr val="tx1"/>
+              </a:solidFill>
+              <a:latin typeface="+mn-lt"/>
+              <a:ea typeface="+mn-ea"/>
+              <a:cs typeface="+mn-cs"/>
+            </a:endParaRPr>
+          </a:p>
+          <a:p>
+            <a:r>
+              <a:rPr lang="es-ES_tradnl" sz="1200" kern="1200" dirty="0" smtClean="0">
+                <a:solidFill>
+                  <a:schemeClr val="tx1"/>
+                </a:solidFill>
+                <a:latin typeface="+mn-lt"/>
+                <a:ea typeface="+mn-ea"/>
+                <a:cs typeface="+mn-cs"/>
+              </a:rPr>
+              <a:t>Otro </a:t>
+            </a:r>
+            <a:r>
+              <a:rPr lang="es-ES_tradnl" sz="1200" kern="1200" dirty="0" smtClean="0">
+                <a:solidFill>
+                  <a:schemeClr val="tx1"/>
+                </a:solidFill>
+                <a:latin typeface="+mn-lt"/>
+                <a:ea typeface="+mn-ea"/>
+                <a:cs typeface="+mn-cs"/>
+              </a:rPr>
+              <a:t>posible uso de nuestra información, es integrándola en un sistema de Big Data. </a:t>
+            </a:r>
+            <a:r>
+              <a:rPr lang="es-ES_tradnl" sz="1200" kern="1200" smtClean="0">
+                <a:solidFill>
+                  <a:schemeClr val="tx1"/>
+                </a:solidFill>
+                <a:latin typeface="+mn-lt"/>
+                <a:ea typeface="+mn-ea"/>
+                <a:cs typeface="+mn-cs"/>
+              </a:rPr>
+              <a:t>Se </a:t>
+            </a:r>
+            <a:r>
+              <a:rPr lang="es-ES_tradnl" sz="1200" kern="1200" dirty="0" smtClean="0">
+                <a:solidFill>
+                  <a:schemeClr val="tx1"/>
+                </a:solidFill>
+                <a:latin typeface="+mn-lt"/>
+                <a:ea typeface="+mn-ea"/>
+                <a:cs typeface="+mn-cs"/>
+              </a:rPr>
+              <a:t>recolectan nuestros datos, la  forma de usar servicios, e incluso nuestra ubicación. Mediante esto sistemas como Amazon, </a:t>
+            </a:r>
+            <a:r>
+              <a:rPr lang="es-ES_tradnl" sz="1200" kern="1200" dirty="0" err="1" smtClean="0">
+                <a:solidFill>
+                  <a:schemeClr val="tx1"/>
+                </a:solidFill>
+                <a:latin typeface="+mn-lt"/>
+                <a:ea typeface="+mn-ea"/>
+                <a:cs typeface="+mn-cs"/>
+              </a:rPr>
+              <a:t>Netflix</a:t>
+            </a:r>
+            <a:r>
+              <a:rPr lang="es-ES_tradnl" sz="1200" kern="1200" dirty="0" smtClean="0">
+                <a:solidFill>
+                  <a:schemeClr val="tx1"/>
+                </a:solidFill>
+                <a:latin typeface="+mn-lt"/>
+                <a:ea typeface="+mn-ea"/>
+                <a:cs typeface="+mn-cs"/>
+              </a:rPr>
+              <a:t>, o Facebook, nos da sugerencias basada no solo en nuestros gustos, sino en los gustos de personas que tengan un perfil parecido al nuestro. Esto es realmente muy práctico, pero en cierta forma, cuando el sistema privilegia cierta información en beneficio de un vendedor (o un candidato político, por ejemplo), es muy posible que nos demos cuentas, y que seamos manipulados para tomar acciones que de otra forma no tomaríamos.</a:t>
+            </a:r>
+            <a:endParaRPr lang="es-MX" sz="1200" kern="1200" dirty="0" smtClean="0">
+              <a:solidFill>
+                <a:schemeClr val="tx1"/>
+              </a:solidFill>
+              <a:latin typeface="+mn-lt"/>
+              <a:ea typeface="+mn-ea"/>
+              <a:cs typeface="+mn-cs"/>
+            </a:endParaRPr>
+          </a:p>
+          <a:p>
             <a:endParaRPr lang="es-ES_tradnl" sz="1200" kern="1200" dirty="0" smtClean="0">
               <a:solidFill>
                 <a:schemeClr val="tx1"/>
@@ -5584,6 +5714,199 @@
           </a:bodyPr>
           <a:lstStyle/>
           <a:p>
+            <a:r>
+              <a:rPr lang="es-ES_tradnl" sz="1200" b="1" kern="1200" dirty="0" smtClean="0">
+                <a:solidFill>
+                  <a:schemeClr val="tx1"/>
+                </a:solidFill>
+                <a:latin typeface="+mn-lt"/>
+                <a:ea typeface="+mn-ea"/>
+                <a:cs typeface="+mn-cs"/>
+              </a:rPr>
+              <a:t>¿Qué es una información secreta?</a:t>
+            </a:r>
+            <a:endParaRPr lang="es-MX" sz="1200" b="1" kern="1200" dirty="0" smtClean="0">
+              <a:solidFill>
+                <a:schemeClr val="tx1"/>
+              </a:solidFill>
+              <a:latin typeface="+mn-lt"/>
+              <a:ea typeface="+mn-ea"/>
+              <a:cs typeface="+mn-cs"/>
+            </a:endParaRPr>
+          </a:p>
+          <a:p>
+            <a:r>
+              <a:rPr lang="es-ES_tradnl" sz="1200" kern="1200" dirty="0" smtClean="0">
+                <a:solidFill>
+                  <a:schemeClr val="tx1"/>
+                </a:solidFill>
+                <a:latin typeface="+mn-lt"/>
+                <a:ea typeface="+mn-ea"/>
+                <a:cs typeface="+mn-cs"/>
+              </a:rPr>
+              <a:t>Un secreto es una información que no debe ser compartida en prácticamente ningún ámbito. Pueden considerarse secretos elementos tales como NIP o </a:t>
+            </a:r>
+            <a:r>
+              <a:rPr lang="es-ES_tradnl" sz="1200" kern="1200" dirty="0" err="1" smtClean="0">
+                <a:solidFill>
+                  <a:schemeClr val="tx1"/>
+                </a:solidFill>
+                <a:latin typeface="+mn-lt"/>
+                <a:ea typeface="+mn-ea"/>
+                <a:cs typeface="+mn-cs"/>
+              </a:rPr>
+              <a:t>password</a:t>
+            </a:r>
+            <a:r>
+              <a:rPr lang="es-ES_tradnl" sz="1200" kern="1200" dirty="0" smtClean="0">
+                <a:solidFill>
+                  <a:schemeClr val="tx1"/>
+                </a:solidFill>
+                <a:latin typeface="+mn-lt"/>
+                <a:ea typeface="+mn-ea"/>
+                <a:cs typeface="+mn-cs"/>
+              </a:rPr>
+              <a:t>. </a:t>
+            </a:r>
+            <a:endParaRPr lang="es-MX" sz="1200" kern="1200" dirty="0" smtClean="0">
+              <a:solidFill>
+                <a:schemeClr val="tx1"/>
+              </a:solidFill>
+              <a:latin typeface="+mn-lt"/>
+              <a:ea typeface="+mn-ea"/>
+              <a:cs typeface="+mn-cs"/>
+            </a:endParaRPr>
+          </a:p>
+          <a:p>
+            <a:r>
+              <a:rPr lang="es-ES_tradnl" sz="1200" kern="1200" dirty="0" smtClean="0">
+                <a:solidFill>
+                  <a:schemeClr val="tx1"/>
+                </a:solidFill>
+                <a:latin typeface="+mn-lt"/>
+                <a:ea typeface="+mn-ea"/>
+                <a:cs typeface="+mn-cs"/>
+              </a:rPr>
+              <a:t> </a:t>
+            </a:r>
+            <a:endParaRPr lang="es-MX" sz="1200" kern="1200" dirty="0" smtClean="0">
+              <a:solidFill>
+                <a:schemeClr val="tx1"/>
+              </a:solidFill>
+              <a:latin typeface="+mn-lt"/>
+              <a:ea typeface="+mn-ea"/>
+              <a:cs typeface="+mn-cs"/>
+            </a:endParaRPr>
+          </a:p>
+          <a:p>
+            <a:r>
+              <a:rPr lang="es-ES_tradnl" sz="1200" b="1" kern="1200" dirty="0" smtClean="0">
+                <a:solidFill>
+                  <a:schemeClr val="tx1"/>
+                </a:solidFill>
+                <a:latin typeface="+mn-lt"/>
+                <a:ea typeface="+mn-ea"/>
+                <a:cs typeface="+mn-cs"/>
+              </a:rPr>
+              <a:t>¿Qué es una información Privada?</a:t>
+            </a:r>
+            <a:endParaRPr lang="es-MX" sz="1200" b="1" kern="1200" dirty="0" smtClean="0">
+              <a:solidFill>
+                <a:schemeClr val="tx1"/>
+              </a:solidFill>
+              <a:latin typeface="+mn-lt"/>
+              <a:ea typeface="+mn-ea"/>
+              <a:cs typeface="+mn-cs"/>
+            </a:endParaRPr>
+          </a:p>
+          <a:p>
+            <a:r>
+              <a:rPr lang="es-ES_tradnl" sz="1200" kern="1200" dirty="0" smtClean="0">
+                <a:solidFill>
+                  <a:schemeClr val="tx1"/>
+                </a:solidFill>
+                <a:latin typeface="+mn-lt"/>
+                <a:ea typeface="+mn-ea"/>
+                <a:cs typeface="+mn-cs"/>
+              </a:rPr>
+              <a:t>Una información privada, es aquella que aunque no se es publica, se puede proporcionar en algunos ámbitos restringidos. Algunos ejemplos significativos son:</a:t>
+            </a:r>
+            <a:endParaRPr lang="es-MX" sz="1200" kern="1200" dirty="0" smtClean="0">
+              <a:solidFill>
+                <a:schemeClr val="tx1"/>
+              </a:solidFill>
+              <a:latin typeface="+mn-lt"/>
+              <a:ea typeface="+mn-ea"/>
+              <a:cs typeface="+mn-cs"/>
+            </a:endParaRPr>
+          </a:p>
+          <a:p>
+            <a:pPr lvl="0"/>
+            <a:r>
+              <a:rPr lang="es-ES_tradnl" sz="1200" kern="1200" dirty="0" smtClean="0">
+                <a:solidFill>
+                  <a:schemeClr val="tx1"/>
+                </a:solidFill>
+                <a:latin typeface="+mn-lt"/>
+                <a:ea typeface="+mn-ea"/>
+                <a:cs typeface="+mn-cs"/>
+              </a:rPr>
+              <a:t>Datos económica personales (como el salario o el patrimonio personal)</a:t>
+            </a:r>
+            <a:endParaRPr lang="es-MX" sz="1200" kern="1200" dirty="0" smtClean="0">
+              <a:solidFill>
+                <a:schemeClr val="tx1"/>
+              </a:solidFill>
+              <a:latin typeface="+mn-lt"/>
+              <a:ea typeface="+mn-ea"/>
+              <a:cs typeface="+mn-cs"/>
+            </a:endParaRPr>
+          </a:p>
+          <a:p>
+            <a:pPr lvl="0"/>
+            <a:r>
+              <a:rPr lang="es-ES_tradnl" sz="1200" kern="1200" dirty="0" smtClean="0">
+                <a:solidFill>
+                  <a:schemeClr val="tx1"/>
+                </a:solidFill>
+                <a:latin typeface="+mn-lt"/>
+                <a:ea typeface="+mn-ea"/>
+                <a:cs typeface="+mn-cs"/>
+              </a:rPr>
+              <a:t>Datos familiares (información de los hijos tal como escuelas, y horarios).</a:t>
+            </a:r>
+            <a:endParaRPr lang="es-MX" sz="1200" kern="1200" dirty="0" smtClean="0">
+              <a:solidFill>
+                <a:schemeClr val="tx1"/>
+              </a:solidFill>
+              <a:latin typeface="+mn-lt"/>
+              <a:ea typeface="+mn-ea"/>
+              <a:cs typeface="+mn-cs"/>
+            </a:endParaRPr>
+          </a:p>
+          <a:p>
+            <a:pPr lvl="0"/>
+            <a:r>
+              <a:rPr lang="es-ES_tradnl" sz="1200" kern="1200" dirty="0" smtClean="0">
+                <a:solidFill>
+                  <a:schemeClr val="tx1"/>
+                </a:solidFill>
+                <a:latin typeface="+mn-lt"/>
+                <a:ea typeface="+mn-ea"/>
+                <a:cs typeface="+mn-cs"/>
+              </a:rPr>
+              <a:t>Datos de índole medica.</a:t>
+            </a:r>
+            <a:endParaRPr lang="es-MX" sz="1200" kern="1200" dirty="0" smtClean="0">
+              <a:solidFill>
+                <a:schemeClr val="tx1"/>
+              </a:solidFill>
+              <a:latin typeface="+mn-lt"/>
+              <a:ea typeface="+mn-ea"/>
+              <a:cs typeface="+mn-cs"/>
+            </a:endParaRPr>
+          </a:p>
+          <a:p>
             <a:pPr>
               <a:buFont typeface="Arial" pitchFamily="34" charset="0"/>
               <a:buNone/>
@@ -5940,6 +6263,184 @@
               <a:buFont typeface="Arial" pitchFamily="34" charset="0"/>
               <a:buNone/>
             </a:pPr>
+            <a:r>
+              <a:rPr lang="es-ES_tradnl" sz="1200" kern="1200" dirty="0" smtClean="0">
+                <a:solidFill>
+                  <a:schemeClr val="tx1"/>
+                </a:solidFill>
+                <a:latin typeface="+mn-lt"/>
+                <a:ea typeface="+mn-ea"/>
+                <a:cs typeface="+mn-cs"/>
+              </a:rPr>
+              <a:t>La </a:t>
+            </a:r>
+            <a:r>
+              <a:rPr lang="es-ES_tradnl" sz="1200" kern="1200" dirty="0" smtClean="0">
+                <a:solidFill>
+                  <a:schemeClr val="tx1"/>
+                </a:solidFill>
+                <a:latin typeface="+mn-lt"/>
+                <a:ea typeface="+mn-ea"/>
+                <a:cs typeface="+mn-cs"/>
+              </a:rPr>
+              <a:t>palabra "criptografía" se compone de dos partes "cripto", que quiere decir oculto y "grafía", que quiere decir escritura</a:t>
+            </a:r>
+            <a:r>
+              <a:rPr lang="es-ES_tradnl" sz="1200" kern="1200" dirty="0" smtClean="0">
+                <a:solidFill>
+                  <a:schemeClr val="tx1"/>
+                </a:solidFill>
+                <a:latin typeface="+mn-lt"/>
+                <a:ea typeface="+mn-ea"/>
+                <a:cs typeface="+mn-cs"/>
+              </a:rPr>
+              <a:t>.</a:t>
+            </a:r>
+          </a:p>
+          <a:p>
+            <a:pPr>
+              <a:buFont typeface="Arial" pitchFamily="34" charset="0"/>
+              <a:buNone/>
+            </a:pPr>
+            <a:endParaRPr lang="es-MX" sz="1200" kern="1200" dirty="0" smtClean="0">
+              <a:solidFill>
+                <a:schemeClr val="tx1"/>
+              </a:solidFill>
+              <a:latin typeface="+mn-lt"/>
+              <a:ea typeface="+mn-ea"/>
+              <a:cs typeface="+mn-cs"/>
+            </a:endParaRPr>
+          </a:p>
+          <a:p>
+            <a:pPr>
+              <a:buFont typeface="Arial" pitchFamily="34" charset="0"/>
+              <a:buNone/>
+            </a:pPr>
+            <a:r>
+              <a:rPr lang="es-ES_tradnl" sz="1200" kern="1200" dirty="0" smtClean="0">
+                <a:solidFill>
+                  <a:schemeClr val="tx1"/>
+                </a:solidFill>
+                <a:latin typeface="+mn-lt"/>
+                <a:ea typeface="+mn-ea"/>
+                <a:cs typeface="+mn-cs"/>
+              </a:rPr>
+              <a:t>La criptográfica garantiza que un mensaje solo puede ser entendió por su destinatario, aunque otras personas puedan ver o conseguir dicho mensaje.</a:t>
+            </a:r>
+            <a:endParaRPr lang="es-MX" sz="1200" kern="1200" dirty="0" smtClean="0">
+              <a:solidFill>
+                <a:schemeClr val="tx1"/>
+              </a:solidFill>
+              <a:latin typeface="+mn-lt"/>
+              <a:ea typeface="+mn-ea"/>
+              <a:cs typeface="+mn-cs"/>
+            </a:endParaRPr>
+          </a:p>
+          <a:p>
+            <a:pPr>
+              <a:buFont typeface="Arial" pitchFamily="34" charset="0"/>
+              <a:buNone/>
+            </a:pPr>
+            <a:endParaRPr lang="es-ES_tradnl" sz="1200" kern="1200" dirty="0" smtClean="0">
+              <a:solidFill>
+                <a:schemeClr val="tx1"/>
+              </a:solidFill>
+              <a:latin typeface="+mn-lt"/>
+              <a:ea typeface="+mn-ea"/>
+              <a:cs typeface="+mn-cs"/>
+            </a:endParaRPr>
+          </a:p>
+          <a:p>
+            <a:pPr>
+              <a:buFont typeface="Arial" pitchFamily="34" charset="0"/>
+              <a:buNone/>
+            </a:pPr>
+            <a:r>
+              <a:rPr lang="es-ES_tradnl" sz="1200" kern="1200" dirty="0" smtClean="0">
+                <a:solidFill>
+                  <a:schemeClr val="tx1"/>
+                </a:solidFill>
+                <a:latin typeface="+mn-lt"/>
+                <a:ea typeface="+mn-ea"/>
+                <a:cs typeface="+mn-cs"/>
+              </a:rPr>
+              <a:t>El </a:t>
+            </a:r>
+            <a:r>
+              <a:rPr lang="es-ES_tradnl" sz="1200" kern="1200" dirty="0" smtClean="0">
+                <a:solidFill>
+                  <a:schemeClr val="tx1"/>
+                </a:solidFill>
+                <a:latin typeface="+mn-lt"/>
+                <a:ea typeface="+mn-ea"/>
+                <a:cs typeface="+mn-cs"/>
+              </a:rPr>
+              <a:t>origen de la criptográfica se asocia frecuentemente con la política y con la guerra.</a:t>
+            </a:r>
+            <a:endParaRPr lang="es-MX" sz="1200" kern="1200" dirty="0" smtClean="0">
+              <a:solidFill>
+                <a:schemeClr val="tx1"/>
+              </a:solidFill>
+              <a:latin typeface="+mn-lt"/>
+              <a:ea typeface="+mn-ea"/>
+              <a:cs typeface="+mn-cs"/>
+            </a:endParaRPr>
+          </a:p>
+          <a:p>
+            <a:pPr>
+              <a:buFont typeface="Arial" pitchFamily="34" charset="0"/>
+              <a:buNone/>
+            </a:pPr>
+            <a:endParaRPr lang="es-ES_tradnl" sz="1200" kern="1200" dirty="0" smtClean="0">
+              <a:solidFill>
+                <a:schemeClr val="tx1"/>
+              </a:solidFill>
+              <a:latin typeface="+mn-lt"/>
+              <a:ea typeface="+mn-ea"/>
+              <a:cs typeface="+mn-cs"/>
+            </a:endParaRPr>
+          </a:p>
+          <a:p>
+            <a:pPr>
+              <a:buFont typeface="Arial" pitchFamily="34" charset="0"/>
+              <a:buNone/>
+            </a:pPr>
+            <a:r>
+              <a:rPr lang="es-ES_tradnl" sz="1200" kern="1200" dirty="0" smtClean="0">
+                <a:solidFill>
+                  <a:schemeClr val="tx1"/>
+                </a:solidFill>
+                <a:latin typeface="+mn-lt"/>
+                <a:ea typeface="+mn-ea"/>
+                <a:cs typeface="+mn-cs"/>
+              </a:rPr>
+              <a:t>Uno </a:t>
+            </a:r>
+            <a:r>
+              <a:rPr lang="es-ES_tradnl" sz="1200" kern="1200" dirty="0" smtClean="0">
+                <a:solidFill>
+                  <a:schemeClr val="tx1"/>
+                </a:solidFill>
+                <a:latin typeface="+mn-lt"/>
+                <a:ea typeface="+mn-ea"/>
+                <a:cs typeface="+mn-cs"/>
+              </a:rPr>
+              <a:t>de los algoritmos clásicos más populares es el de Julio Cesar, que consiste en desplazar tres posiciones en el abecedario cada letra. </a:t>
+            </a:r>
+            <a:endParaRPr lang="es-MX" sz="1200" kern="1200" dirty="0" smtClean="0">
+              <a:solidFill>
+                <a:schemeClr val="tx1"/>
+              </a:solidFill>
+              <a:latin typeface="+mn-lt"/>
+              <a:ea typeface="+mn-ea"/>
+              <a:cs typeface="+mn-cs"/>
+            </a:endParaRPr>
+          </a:p>
+          <a:p>
+            <a:pPr>
+              <a:buFont typeface="Arial" pitchFamily="34" charset="0"/>
+              <a:buNone/>
+            </a:pPr>
             <a:endParaRPr lang="es-MX" dirty="0"/>
           </a:p>
         </p:txBody>
@@ -6194,11 +6695,25 @@
           </a:bodyPr>
           <a:lstStyle/>
           <a:p>
-            <a:pPr>
-              <a:buFont typeface="Arial" pitchFamily="34" charset="0"/>
-              <a:buNone/>
-            </a:pPr>
-            <a:endParaRPr lang="es-MX" dirty="0"/>
+            <a:r>
+              <a:rPr lang="es-ES_tradnl" sz="1200" kern="1200" dirty="0" smtClean="0">
+                <a:solidFill>
+                  <a:schemeClr val="tx1"/>
+                </a:solidFill>
+                <a:latin typeface="+mn-lt"/>
+                <a:ea typeface="+mn-ea"/>
+                <a:cs typeface="+mn-cs"/>
+              </a:rPr>
+              <a:t>La semilla de lo hoy conocemos por internet, tiene su origen en plena guerra fría (conflicto  entre, principalmente estados Unidos y la Unión Soviética, en distintos niveles, social, político, económico, militar o científico, con distintos periodos de intensidad se alargo desde finales de la segunda guerra mundial hasta el año 91).</a:t>
+            </a:r>
+            <a:endParaRPr lang="es-MX" sz="1200" kern="1200" dirty="0">
+              <a:solidFill>
+                <a:schemeClr val="tx1"/>
+              </a:solidFill>
+              <a:latin typeface="+mn-lt"/>
+              <a:ea typeface="+mn-ea"/>
+              <a:cs typeface="+mn-cs"/>
+            </a:endParaRPr>
           </a:p>
         </p:txBody>
       </p:sp>
@@ -19538,246 +20053,6 @@
           </a:ln>
         </p:spPr>
       </p:pic>
-      <p:sp>
-        <p:nvSpPr>
-          <p:cNvPr id="4097" name="Rectangle 1"/>
-          <p:cNvSpPr>
-            <a:spLocks noChangeArrowheads="1"/>
-          </p:cNvSpPr>
-          <p:nvPr/>
-        </p:nvSpPr>
-        <p:spPr bwMode="auto">
-          <a:xfrm>
-            <a:off x="0" y="0"/>
-            <a:ext cx="9144000" cy="457200"/>
-          </a:xfrm>
-          <a:prstGeom prst="rect">
-            <a:avLst/>
-          </a:prstGeom>
-          <a:noFill/>
-          <a:ln w="9525">
-            <a:noFill/>
-            <a:miter lim="800000"/>
-            <a:headEnd/>
-            <a:tailEnd/>
-          </a:ln>
-          <a:effectLst/>
-        </p:spPr>
-        <p:txBody>
-          <a:bodyPr vert="horz" wrap="none" lIns="91440" tIns="45720" rIns="91440" bIns="45720" numCol="1" anchor="ctr" anchorCtr="0" compatLnSpc="1">
-            <a:prstTxWarp prst="textNoShape">
-              <a:avLst/>
-            </a:prstTxWarp>
-            <a:spAutoFit/>
-          </a:bodyPr>
-          <a:lstStyle/>
-          <a:p>
-            <a:pPr marL="0" marR="0" lvl="0" indent="450850" algn="just" defTabSz="914400" rtl="0" eaLnBrk="1" fontAlgn="base" latinLnBrk="0" hangingPunct="1">
-              <a:lnSpc>
-                <a:spcPct val="100000"/>
-              </a:lnSpc>
-              <a:spcBef>
-                <a:spcPct val="0"/>
-              </a:spcBef>
-              <a:spcAft>
-                <a:spcPct val="0"/>
-              </a:spcAft>
-              <a:buClrTx/>
-              <a:buSzTx/>
-              <a:buFontTx/>
-              <a:buNone/>
-              <a:tabLst/>
-            </a:pPr>
-            <a:r>
-              <a:rPr kumimoji="0" lang="es-ES_tradnl" sz="1200" b="0" i="0" u="none" strike="noStrike" cap="none" normalizeH="0" baseline="0" dirty="0" smtClean="0">
-                <a:ln>
-                  <a:noFill/>
-                </a:ln>
-                <a:solidFill>
-                  <a:schemeClr val="tx1"/>
-                </a:solidFill>
-                <a:effectLst/>
-                <a:latin typeface="Garamond" pitchFamily="18" charset="0"/>
-                <a:ea typeface="Calibri" pitchFamily="34" charset="0"/>
-                <a:cs typeface="Times New Roman" pitchFamily="18" charset="0"/>
-                <a:hlinkClick r:id="rId5"/>
-              </a:rPr>
-              <a:t>http://enigmaco.de/enigma/enigma.html</a:t>
-            </a:r>
-            <a:endParaRPr kumimoji="0" lang="es-ES_tradnl" sz="1800" b="0" i="0" u="none" strike="noStrike" cap="none" normalizeH="0" baseline="0" dirty="0" smtClean="0">
-              <a:ln>
-                <a:noFill/>
-              </a:ln>
-              <a:solidFill>
-                <a:schemeClr val="tx1"/>
-              </a:solidFill>
-              <a:effectLst/>
-              <a:latin typeface="Arial" pitchFamily="34" charset="0"/>
-              <a:cs typeface="Arial" pitchFamily="34" charset="0"/>
-            </a:endParaRPr>
-          </a:p>
-        </p:txBody>
-      </p:sp>
-      <p:sp>
-        <p:nvSpPr>
-          <p:cNvPr id="4098" name="Rectangle 2"/>
-          <p:cNvSpPr>
-            <a:spLocks noChangeArrowheads="1"/>
-          </p:cNvSpPr>
-          <p:nvPr/>
-        </p:nvSpPr>
-        <p:spPr bwMode="auto">
-          <a:xfrm>
-            <a:off x="0" y="0"/>
-            <a:ext cx="9144000" cy="457200"/>
-          </a:xfrm>
-          <a:prstGeom prst="rect">
-            <a:avLst/>
-          </a:prstGeom>
-          <a:noFill/>
-          <a:ln w="9525">
-            <a:noFill/>
-            <a:miter lim="800000"/>
-            <a:headEnd/>
-            <a:tailEnd/>
-          </a:ln>
-          <a:effectLst/>
-        </p:spPr>
-        <p:txBody>
-          <a:bodyPr vert="horz" wrap="none" lIns="91440" tIns="45720" rIns="91440" bIns="45720" numCol="1" anchor="ctr" anchorCtr="0" compatLnSpc="1">
-            <a:prstTxWarp prst="textNoShape">
-              <a:avLst/>
-            </a:prstTxWarp>
-            <a:spAutoFit/>
-          </a:bodyPr>
-          <a:lstStyle/>
-          <a:p>
-            <a:pPr marL="0" marR="0" lvl="0" indent="450850" algn="just" defTabSz="914400" rtl="0" eaLnBrk="1" fontAlgn="base" latinLnBrk="0" hangingPunct="1">
-              <a:lnSpc>
-                <a:spcPct val="100000"/>
-              </a:lnSpc>
-              <a:spcBef>
-                <a:spcPct val="0"/>
-              </a:spcBef>
-              <a:spcAft>
-                <a:spcPct val="0"/>
-              </a:spcAft>
-              <a:buClrTx/>
-              <a:buSzTx/>
-              <a:buFontTx/>
-              <a:buNone/>
-              <a:tabLst/>
-            </a:pPr>
-            <a:r>
-              <a:rPr kumimoji="0" lang="es-ES_tradnl" sz="1200" b="0" i="0" u="none" strike="noStrike" cap="none" normalizeH="0" baseline="0" dirty="0" smtClean="0">
-                <a:ln>
-                  <a:noFill/>
-                </a:ln>
-                <a:solidFill>
-                  <a:schemeClr val="tx1"/>
-                </a:solidFill>
-                <a:effectLst/>
-                <a:latin typeface="Garamond" pitchFamily="18" charset="0"/>
-                <a:ea typeface="Calibri" pitchFamily="34" charset="0"/>
-                <a:cs typeface="Times New Roman" pitchFamily="18" charset="0"/>
-                <a:hlinkClick r:id="rId5"/>
-              </a:rPr>
-              <a:t>http://enigmaco.de/enigma/enigma.html</a:t>
-            </a:r>
-            <a:endParaRPr kumimoji="0" lang="es-ES_tradnl" sz="1800" b="0" i="0" u="none" strike="noStrike" cap="none" normalizeH="0" baseline="0" dirty="0" smtClean="0">
-              <a:ln>
-                <a:noFill/>
-              </a:ln>
-              <a:solidFill>
-                <a:schemeClr val="tx1"/>
-              </a:solidFill>
-              <a:effectLst/>
-              <a:latin typeface="Arial" pitchFamily="34" charset="0"/>
-              <a:cs typeface="Arial" pitchFamily="34" charset="0"/>
-            </a:endParaRPr>
-          </a:p>
-        </p:txBody>
-      </p:sp>
-      <p:sp>
-        <p:nvSpPr>
-          <p:cNvPr id="4099" name="Rectangle 3"/>
-          <p:cNvSpPr>
-            <a:spLocks noChangeArrowheads="1"/>
-          </p:cNvSpPr>
-          <p:nvPr/>
-        </p:nvSpPr>
-        <p:spPr bwMode="auto">
-          <a:xfrm>
-            <a:off x="0" y="0"/>
-            <a:ext cx="9144000" cy="457200"/>
-          </a:xfrm>
-          <a:prstGeom prst="rect">
-            <a:avLst/>
-          </a:prstGeom>
-          <a:noFill/>
-          <a:ln w="9525">
-            <a:noFill/>
-            <a:miter lim="800000"/>
-            <a:headEnd/>
-            <a:tailEnd/>
-          </a:ln>
-          <a:effectLst/>
-        </p:spPr>
-        <p:txBody>
-          <a:bodyPr vert="horz" wrap="none" lIns="91440" tIns="45720" rIns="91440" bIns="45720" numCol="1" anchor="ctr" anchorCtr="0" compatLnSpc="1">
-            <a:prstTxWarp prst="textNoShape">
-              <a:avLst/>
-            </a:prstTxWarp>
-            <a:spAutoFit/>
-          </a:bodyPr>
-          <a:lstStyle/>
-          <a:p>
-            <a:pPr marL="0" marR="0" lvl="0" indent="450850" algn="just" defTabSz="914400" rtl="0" eaLnBrk="1" fontAlgn="base" latinLnBrk="0" hangingPunct="1">
-              <a:lnSpc>
-                <a:spcPct val="100000"/>
-              </a:lnSpc>
-              <a:spcBef>
-                <a:spcPct val="0"/>
-              </a:spcBef>
-              <a:spcAft>
-                <a:spcPct val="0"/>
-              </a:spcAft>
-              <a:buClrTx/>
-              <a:buSzTx/>
-              <a:buFontTx/>
-              <a:buNone/>
-              <a:tabLst/>
-            </a:pPr>
-            <a:r>
-              <a:rPr kumimoji="0" lang="es-ES_tradnl" sz="1200" b="0" i="0" u="none" strike="noStrike" cap="none" normalizeH="0" baseline="0" dirty="0" smtClean="0">
-                <a:ln>
-                  <a:noFill/>
-                </a:ln>
-                <a:solidFill>
-                  <a:schemeClr val="tx1"/>
-                </a:solidFill>
-                <a:effectLst/>
-                <a:latin typeface="Garamond" pitchFamily="18" charset="0"/>
-                <a:ea typeface="Calibri" pitchFamily="34" charset="0"/>
-                <a:cs typeface="Times New Roman" pitchFamily="18" charset="0"/>
-                <a:hlinkClick r:id="rId5"/>
-              </a:rPr>
-              <a:t>http://enigmaco.de/enigma/enigma.html</a:t>
-            </a:r>
-            <a:endParaRPr kumimoji="0" lang="es-ES_tradnl" sz="1800" b="0" i="0" u="none" strike="noStrike" cap="none" normalizeH="0" baseline="0" dirty="0" smtClean="0">
-              <a:ln>
-                <a:noFill/>
-              </a:ln>
-              <a:solidFill>
-                <a:schemeClr val="tx1"/>
-              </a:solidFill>
-              <a:effectLst/>
-              <a:latin typeface="Arial" pitchFamily="34" charset="0"/>
-              <a:cs typeface="Arial" pitchFamily="34" charset="0"/>
-            </a:endParaRPr>
-          </a:p>
-        </p:txBody>
-      </p:sp>
       <p:sp>
         <p:nvSpPr>
           <p:cNvPr id="17" name="16 CuadroTexto"/>
